--- a/Documentation/Generic v2.pptx
+++ b/Documentation/Generic v2.pptx
@@ -364,7 +364,7 @@
           <a:p>
             <a:fld id="{CA11D332-C87C-47E0-BFE1-274A1FFF03ED}" type="datetimeFigureOut">
               <a:rPr lang="en-US" smtClean="0"/>
-              <a:t>5/9/2012</a:t>
+              <a:t>7/26/2012</a:t>
             </a:fld>
             <a:endParaRPr lang="en-US"/>
           </a:p>
@@ -577,7 +577,7 @@
           <a:p>
             <a:fld id="{CA11D332-C87C-47E0-BFE1-274A1FFF03ED}" type="datetimeFigureOut">
               <a:rPr lang="en-US" smtClean="0"/>
-              <a:t>5/9/2012</a:t>
+              <a:t>7/26/2012</a:t>
             </a:fld>
             <a:endParaRPr lang="en-US"/>
           </a:p>
@@ -844,7 +844,7 @@
           <a:p>
             <a:fld id="{CA11D332-C87C-47E0-BFE1-274A1FFF03ED}" type="datetimeFigureOut">
               <a:rPr lang="en-US" smtClean="0"/>
-              <a:t>5/9/2012</a:t>
+              <a:t>7/26/2012</a:t>
             </a:fld>
             <a:endParaRPr lang="en-US"/>
           </a:p>
@@ -994,7 +994,7 @@
           <a:p>
             <a:fld id="{CA11D332-C87C-47E0-BFE1-274A1FFF03ED}" type="datetimeFigureOut">
               <a:rPr lang="en-US" smtClean="0"/>
-              <a:t>5/9/2012</a:t>
+              <a:t>7/26/2012</a:t>
             </a:fld>
             <a:endParaRPr lang="en-US"/>
           </a:p>
@@ -1324,7 +1324,7 @@
           <a:p>
             <a:fld id="{CA11D332-C87C-47E0-BFE1-274A1FFF03ED}" type="datetimeFigureOut">
               <a:rPr lang="en-US" smtClean="0"/>
-              <a:t>5/9/2012</a:t>
+              <a:t>7/26/2012</a:t>
             </a:fld>
             <a:endParaRPr lang="en-US"/>
           </a:p>
@@ -1632,7 +1632,7 @@
           <a:p>
             <a:fld id="{CA11D332-C87C-47E0-BFE1-274A1FFF03ED}" type="datetimeFigureOut">
               <a:rPr lang="en-US" smtClean="0"/>
-              <a:t>5/9/2012</a:t>
+              <a:t>7/26/2012</a:t>
             </a:fld>
             <a:endParaRPr lang="en-US"/>
           </a:p>
@@ -2053,7 +2053,7 @@
           <a:p>
             <a:fld id="{CA11D332-C87C-47E0-BFE1-274A1FFF03ED}" type="datetimeFigureOut">
               <a:rPr lang="en-US" smtClean="0"/>
-              <a:t>5/9/2012</a:t>
+              <a:t>7/26/2012</a:t>
             </a:fld>
             <a:endParaRPr lang="en-US"/>
           </a:p>
@@ -2166,7 +2166,7 @@
           <a:p>
             <a:fld id="{CA11D332-C87C-47E0-BFE1-274A1FFF03ED}" type="datetimeFigureOut">
               <a:rPr lang="en-US" smtClean="0"/>
-              <a:t>5/9/2012</a:t>
+              <a:t>7/26/2012</a:t>
             </a:fld>
             <a:endParaRPr lang="en-US"/>
           </a:p>
@@ -2325,7 +2325,7 @@
           <a:p>
             <a:fld id="{CA11D332-C87C-47E0-BFE1-274A1FFF03ED}" type="datetimeFigureOut">
               <a:rPr lang="en-US" smtClean="0"/>
-              <a:t>5/9/2012</a:t>
+              <a:t>7/26/2012</a:t>
             </a:fld>
             <a:endParaRPr lang="en-US"/>
           </a:p>
@@ -2709,7 +2709,7 @@
           <a:p>
             <a:fld id="{CA11D332-C87C-47E0-BFE1-274A1FFF03ED}" type="datetimeFigureOut">
               <a:rPr lang="en-US" smtClean="0"/>
-              <a:t>5/9/2012</a:t>
+              <a:t>7/26/2012</a:t>
             </a:fld>
             <a:endParaRPr lang="en-US"/>
           </a:p>
@@ -3071,7 +3071,7 @@
           <a:p>
             <a:fld id="{CA11D332-C87C-47E0-BFE1-274A1FFF03ED}" type="datetimeFigureOut">
               <a:rPr lang="en-US" smtClean="0"/>
-              <a:t>5/9/2012</a:t>
+              <a:t>7/26/2012</a:t>
             </a:fld>
             <a:endParaRPr lang="en-US"/>
           </a:p>
@@ -3405,7 +3405,7 @@
           <a:p>
             <a:fld id="{CA11D332-C87C-47E0-BFE1-274A1FFF03ED}" type="datetimeFigureOut">
               <a:rPr lang="en-US" smtClean="0"/>
-              <a:t>5/9/2012</a:t>
+              <a:t>7/26/2012</a:t>
             </a:fld>
             <a:endParaRPr lang="en-US"/>
           </a:p>
@@ -3845,7 +3845,7 @@
           <a:p>
             <a:r>
               <a:rPr lang="en-US" dirty="0" smtClean="0"/>
-              <a:t>Generic v2</a:t>
+              <a:t>Collector</a:t>
             </a:r>
             <a:endParaRPr lang="en-US" dirty="0"/>
           </a:p>
@@ -3904,7 +3904,11 @@
           <a:p>
             <a:r>
               <a:rPr lang="en-US" dirty="0" smtClean="0"/>
-              <a:t>Generic can:</a:t>
+              <a:t>Collector can</a:t>
+            </a:r>
+            <a:r>
+              <a:rPr lang="en-US" dirty="0" smtClean="0"/>
+              <a:t>:</a:t>
             </a:r>
           </a:p>
           <a:p>
@@ -3964,7 +3968,11 @@
           <a:p>
             <a:r>
               <a:rPr lang="en-US" dirty="0" smtClean="0"/>
-              <a:t>What is Generic</a:t>
+              <a:t>What is </a:t>
+            </a:r>
+            <a:r>
+              <a:rPr lang="en-US" dirty="0" smtClean="0"/>
+              <a:t>Collector</a:t>
             </a:r>
             <a:endParaRPr lang="en-US" dirty="0"/>
           </a:p>
